--- a/坐姿矯正系統.pptx
+++ b/坐姿矯正系統.pptx
@@ -9,6 +9,7 @@
     <p:sldId id="257" r:id="rId3"/>
     <p:sldId id="258" r:id="rId4"/>
     <p:sldId id="259" r:id="rId5"/>
+    <p:sldId id="260" r:id="rId6"/>
   </p:sldIdLst>
   <p:sldSz cx="12192000" cy="6858000"/>
   <p:notesSz cx="6858000" cy="9144000"/>
@@ -107,6 +108,11 @@
       </a:defRPr>
     </a:lvl9pPr>
   </p:defaultTextStyle>
+  <p:extLst>
+    <p:ext uri="{EFAFB233-063F-42B5-8137-9DF3F51BA10A}">
+      <p15:sldGuideLst xmlns:p15="http://schemas.microsoft.com/office/powerpoint/2012/main"/>
+    </p:ext>
+  </p:extLst>
 </p:presentation>
 </file>
 
@@ -4214,6 +4220,197 @@
 </p:sld>
 </file>
 
+<file path=ppt/slides/slide5.xml><?xml version="1.0" encoding="utf-8"?>
+<p:sld xmlns:a="http://schemas.openxmlformats.org/drawingml/2006/main" xmlns:r="http://schemas.openxmlformats.org/officeDocument/2006/relationships" xmlns:p="http://schemas.openxmlformats.org/presentationml/2006/main">
+  <p:cSld>
+    <p:spTree>
+      <p:nvGrpSpPr>
+        <p:cNvPr id="1" name=""/>
+        <p:cNvGrpSpPr/>
+        <p:nvPr/>
+      </p:nvGrpSpPr>
+      <p:grpSpPr>
+        <a:xfrm>
+          <a:off x="0" y="0"/>
+          <a:ext cx="0" cy="0"/>
+          <a:chOff x="0" y="0"/>
+          <a:chExt cx="0" cy="0"/>
+        </a:xfrm>
+      </p:grpSpPr>
+      <p:sp>
+        <p:nvSpPr>
+          <p:cNvPr id="2" name="標題 1">
+            <a:extLst>
+              <a:ext uri="{FF2B5EF4-FFF2-40B4-BE49-F238E27FC236}">
+                <a16:creationId xmlns:a16="http://schemas.microsoft.com/office/drawing/2014/main" id="{8C85ED48-3069-E9E7-F772-B456F6416CD3}"/>
+              </a:ext>
+            </a:extLst>
+          </p:cNvPr>
+          <p:cNvSpPr>
+            <a:spLocks noGrp="1"/>
+          </p:cNvSpPr>
+          <p:nvPr>
+            <p:ph type="title"/>
+          </p:nvPr>
+        </p:nvSpPr>
+        <p:spPr/>
+        <p:txBody>
+          <a:bodyPr/>
+          <a:lstStyle/>
+          <a:p>
+            <a:r>
+              <a:rPr lang="zh-TW" altLang="en-US" dirty="0">
+                <a:solidFill>
+                  <a:srgbClr val="FF0000"/>
+                </a:solidFill>
+              </a:rPr>
+              <a:t>迫切性</a:t>
+            </a:r>
+          </a:p>
+        </p:txBody>
+      </p:sp>
+      <p:sp>
+        <p:nvSpPr>
+          <p:cNvPr id="3" name="內容版面配置區 2">
+            <a:extLst>
+              <a:ext uri="{FF2B5EF4-FFF2-40B4-BE49-F238E27FC236}">
+                <a16:creationId xmlns:a16="http://schemas.microsoft.com/office/drawing/2014/main" id="{61250AB1-D393-DD7A-2C5D-DF383D24D487}"/>
+              </a:ext>
+            </a:extLst>
+          </p:cNvPr>
+          <p:cNvSpPr>
+            <a:spLocks noGrp="1"/>
+          </p:cNvSpPr>
+          <p:nvPr>
+            <p:ph idx="1"/>
+          </p:nvPr>
+        </p:nvSpPr>
+        <p:spPr/>
+        <p:txBody>
+          <a:bodyPr/>
+          <a:lstStyle/>
+          <a:p>
+            <a:r>
+              <a:rPr lang="zh-TW" altLang="en-US" dirty="0">
+                <a:latin typeface="標楷體" panose="03000509000000000000" pitchFamily="65" charset="-120"/>
+                <a:ea typeface="標楷體" panose="03000509000000000000" pitchFamily="65" charset="-120"/>
+              </a:rPr>
+              <a:t>隨著科技發展，人們使用手機、電腦的時間逐漸加長，不過也連帶使得身體保持一個不自然的姿勢，例如烏龜頸、駝背、圓肩。越來越多人更加開始注重儀態，甚至會特別去健身房想藉由運動來矯正姿勢。</a:t>
+            </a:r>
+            <a:endParaRPr lang="en-US" altLang="zh-TW" dirty="0">
+              <a:latin typeface="標楷體" panose="03000509000000000000" pitchFamily="65" charset="-120"/>
+              <a:ea typeface="標楷體" panose="03000509000000000000" pitchFamily="65" charset="-120"/>
+            </a:endParaRPr>
+          </a:p>
+          <a:p>
+            <a:r>
+              <a:rPr lang="zh-TW" altLang="en-US" dirty="0">
+                <a:latin typeface="標楷體" panose="03000509000000000000" pitchFamily="65" charset="-120"/>
+                <a:ea typeface="標楷體" panose="03000509000000000000" pitchFamily="65" charset="-120"/>
+              </a:rPr>
+              <a:t>這項軟體就能提供不管是孩童、青少年、壯年人以及老年人即時性的姿勢矯正建議，除了能</a:t>
+            </a:r>
+            <a:r>
+              <a:rPr lang="zh-TW" altLang="en-US" dirty="0">
+                <a:solidFill>
+                  <a:srgbClr val="FF0000"/>
+                </a:solidFill>
+                <a:latin typeface="標楷體" panose="03000509000000000000" pitchFamily="65" charset="-120"/>
+                <a:ea typeface="標楷體" panose="03000509000000000000" pitchFamily="65" charset="-120"/>
+              </a:rPr>
+              <a:t>立即改善不良姿勢</a:t>
+            </a:r>
+            <a:r>
+              <a:rPr lang="zh-TW" altLang="en-US" dirty="0">
+                <a:latin typeface="標楷體" panose="03000509000000000000" pitchFamily="65" charset="-120"/>
+                <a:ea typeface="標楷體" panose="03000509000000000000" pitchFamily="65" charset="-120"/>
+              </a:rPr>
+              <a:t>，也能</a:t>
+            </a:r>
+            <a:r>
+              <a:rPr lang="zh-TW" altLang="en-US" dirty="0">
+                <a:solidFill>
+                  <a:srgbClr val="FF0000"/>
+                </a:solidFill>
+                <a:latin typeface="標楷體" panose="03000509000000000000" pitchFamily="65" charset="-120"/>
+                <a:ea typeface="標楷體" panose="03000509000000000000" pitchFamily="65" charset="-120"/>
+              </a:rPr>
+              <a:t>避免養成維持不良姿勢的習慣</a:t>
+            </a:r>
+            <a:r>
+              <a:rPr lang="zh-TW" altLang="en-US" dirty="0">
+                <a:latin typeface="標楷體" panose="03000509000000000000" pitchFamily="65" charset="-120"/>
+                <a:ea typeface="標楷體" panose="03000509000000000000" pitchFamily="65" charset="-120"/>
+              </a:rPr>
+              <a:t>，進一步</a:t>
+            </a:r>
+            <a:r>
+              <a:rPr lang="zh-TW" altLang="en-US" dirty="0">
+                <a:solidFill>
+                  <a:srgbClr val="FF0000"/>
+                </a:solidFill>
+                <a:latin typeface="標楷體" panose="03000509000000000000" pitchFamily="65" charset="-120"/>
+                <a:ea typeface="標楷體" panose="03000509000000000000" pitchFamily="65" charset="-120"/>
+              </a:rPr>
+              <a:t>減少造成不可逆的駝背現象的可能性</a:t>
+            </a:r>
+            <a:r>
+              <a:rPr lang="zh-TW" altLang="en-US" dirty="0">
+                <a:latin typeface="標楷體" panose="03000509000000000000" pitchFamily="65" charset="-120"/>
+                <a:ea typeface="標楷體" panose="03000509000000000000" pitchFamily="65" charset="-120"/>
+              </a:rPr>
+              <a:t>，另外還能</a:t>
+            </a:r>
+            <a:r>
+              <a:rPr lang="zh-TW" altLang="en-US" dirty="0">
+                <a:solidFill>
+                  <a:srgbClr val="FF0000"/>
+                </a:solidFill>
+                <a:latin typeface="標楷體" panose="03000509000000000000" pitchFamily="65" charset="-120"/>
+                <a:ea typeface="標楷體" panose="03000509000000000000" pitchFamily="65" charset="-120"/>
+              </a:rPr>
+              <a:t>改善不良姿勢造成的肩頸痠痛問題</a:t>
+            </a:r>
+            <a:r>
+              <a:rPr lang="zh-TW" altLang="en-US" dirty="0">
+                <a:latin typeface="標楷體" panose="03000509000000000000" pitchFamily="65" charset="-120"/>
+                <a:ea typeface="標楷體" panose="03000509000000000000" pitchFamily="65" charset="-120"/>
+              </a:rPr>
+              <a:t>。尤其針對孩童而言，</a:t>
+            </a:r>
+            <a:r>
+              <a:rPr lang="zh-TW" altLang="en-US" dirty="0">
+                <a:solidFill>
+                  <a:srgbClr val="FF0000"/>
+                </a:solidFill>
+                <a:latin typeface="標楷體" panose="03000509000000000000" pitchFamily="65" charset="-120"/>
+                <a:ea typeface="標楷體" panose="03000509000000000000" pitchFamily="65" charset="-120"/>
+              </a:rPr>
+              <a:t>改善姿勢更能避免發育不完整、脊椎側彎等問題</a:t>
+            </a:r>
+            <a:r>
+              <a:rPr lang="zh-TW" altLang="en-US" dirty="0">
+                <a:latin typeface="標楷體" panose="03000509000000000000" pitchFamily="65" charset="-120"/>
+                <a:ea typeface="標楷體" panose="03000509000000000000" pitchFamily="65" charset="-120"/>
+              </a:rPr>
+              <a:t>。</a:t>
+            </a:r>
+          </a:p>
+        </p:txBody>
+      </p:sp>
+    </p:spTree>
+    <p:extLst>
+      <p:ext uri="{BB962C8B-B14F-4D97-AF65-F5344CB8AC3E}">
+        <p14:creationId xmlns:p14="http://schemas.microsoft.com/office/powerpoint/2010/main" val="1774998366"/>
+      </p:ext>
+    </p:extLst>
+  </p:cSld>
+  <p:clrMapOvr>
+    <a:masterClrMapping/>
+  </p:clrMapOvr>
+</p:sld>
+</file>
+
 <file path=ppt/theme/theme1.xml><?xml version="1.0" encoding="utf-8"?>
 <a:theme xmlns:a="http://schemas.openxmlformats.org/drawingml/2006/main" name="Office 佈景主題">
   <a:themeElements>

--- a/坐姿矯正系統.pptx
+++ b/坐姿矯正系統.pptx
@@ -4260,9 +4260,8 @@
           <a:p>
             <a:r>
               <a:rPr lang="zh-TW" altLang="en-US" dirty="0">
-                <a:solidFill>
-                  <a:srgbClr val="FF0000"/>
-                </a:solidFill>
+                <a:latin typeface="標楷體" panose="03000509000000000000" pitchFamily="65" charset="-120"/>
+                <a:ea typeface="標楷體" panose="03000509000000000000" pitchFamily="65" charset="-120"/>
               </a:rPr>
               <a:t>迫切性</a:t>
             </a:r>

--- a/坐姿矯正系統.pptx
+++ b/坐姿矯正系統.pptx
@@ -8,8 +8,7 @@
     <p:sldId id="256" r:id="rId2"/>
     <p:sldId id="257" r:id="rId3"/>
     <p:sldId id="258" r:id="rId4"/>
-    <p:sldId id="259" r:id="rId5"/>
-    <p:sldId id="260" r:id="rId6"/>
+    <p:sldId id="260" r:id="rId5"/>
   </p:sldIdLst>
   <p:sldSz cx="12192000" cy="6858000"/>
   <p:notesSz cx="6858000" cy="9144000"/>
@@ -307,7 +306,7 @@
           <a:p>
             <a:fld id="{8B0D2003-4D7D-4BAB-B6CD-F2459C88FDD9}" type="datetimeFigureOut">
               <a:rPr lang="zh-TW" altLang="en-US" smtClean="0"/>
-              <a:t>2023/1/1</a:t>
+              <a:t>2023/1/2</a:t>
             </a:fld>
             <a:endParaRPr lang="zh-TW" altLang="en-US"/>
           </a:p>
@@ -505,7 +504,7 @@
           <a:p>
             <a:fld id="{8B0D2003-4D7D-4BAB-B6CD-F2459C88FDD9}" type="datetimeFigureOut">
               <a:rPr lang="zh-TW" altLang="en-US" smtClean="0"/>
-              <a:t>2023/1/1</a:t>
+              <a:t>2023/1/2</a:t>
             </a:fld>
             <a:endParaRPr lang="zh-TW" altLang="en-US"/>
           </a:p>
@@ -713,7 +712,7 @@
           <a:p>
             <a:fld id="{8B0D2003-4D7D-4BAB-B6CD-F2459C88FDD9}" type="datetimeFigureOut">
               <a:rPr lang="zh-TW" altLang="en-US" smtClean="0"/>
-              <a:t>2023/1/1</a:t>
+              <a:t>2023/1/2</a:t>
             </a:fld>
             <a:endParaRPr lang="zh-TW" altLang="en-US"/>
           </a:p>
@@ -911,7 +910,7 @@
           <a:p>
             <a:fld id="{8B0D2003-4D7D-4BAB-B6CD-F2459C88FDD9}" type="datetimeFigureOut">
               <a:rPr lang="zh-TW" altLang="en-US" smtClean="0"/>
-              <a:t>2023/1/1</a:t>
+              <a:t>2023/1/2</a:t>
             </a:fld>
             <a:endParaRPr lang="zh-TW" altLang="en-US"/>
           </a:p>
@@ -1186,7 +1185,7 @@
           <a:p>
             <a:fld id="{8B0D2003-4D7D-4BAB-B6CD-F2459C88FDD9}" type="datetimeFigureOut">
               <a:rPr lang="zh-TW" altLang="en-US" smtClean="0"/>
-              <a:t>2023/1/1</a:t>
+              <a:t>2023/1/2</a:t>
             </a:fld>
             <a:endParaRPr lang="zh-TW" altLang="en-US"/>
           </a:p>
@@ -1451,7 +1450,7 @@
           <a:p>
             <a:fld id="{8B0D2003-4D7D-4BAB-B6CD-F2459C88FDD9}" type="datetimeFigureOut">
               <a:rPr lang="zh-TW" altLang="en-US" smtClean="0"/>
-              <a:t>2023/1/1</a:t>
+              <a:t>2023/1/2</a:t>
             </a:fld>
             <a:endParaRPr lang="zh-TW" altLang="en-US"/>
           </a:p>
@@ -1863,7 +1862,7 @@
           <a:p>
             <a:fld id="{8B0D2003-4D7D-4BAB-B6CD-F2459C88FDD9}" type="datetimeFigureOut">
               <a:rPr lang="zh-TW" altLang="en-US" smtClean="0"/>
-              <a:t>2023/1/1</a:t>
+              <a:t>2023/1/2</a:t>
             </a:fld>
             <a:endParaRPr lang="zh-TW" altLang="en-US"/>
           </a:p>
@@ -2004,7 +2003,7 @@
           <a:p>
             <a:fld id="{8B0D2003-4D7D-4BAB-B6CD-F2459C88FDD9}" type="datetimeFigureOut">
               <a:rPr lang="zh-TW" altLang="en-US" smtClean="0"/>
-              <a:t>2023/1/1</a:t>
+              <a:t>2023/1/2</a:t>
             </a:fld>
             <a:endParaRPr lang="zh-TW" altLang="en-US"/>
           </a:p>
@@ -2117,7 +2116,7 @@
           <a:p>
             <a:fld id="{8B0D2003-4D7D-4BAB-B6CD-F2459C88FDD9}" type="datetimeFigureOut">
               <a:rPr lang="zh-TW" altLang="en-US" smtClean="0"/>
-              <a:t>2023/1/1</a:t>
+              <a:t>2023/1/2</a:t>
             </a:fld>
             <a:endParaRPr lang="zh-TW" altLang="en-US"/>
           </a:p>
@@ -2428,7 +2427,7 @@
           <a:p>
             <a:fld id="{8B0D2003-4D7D-4BAB-B6CD-F2459C88FDD9}" type="datetimeFigureOut">
               <a:rPr lang="zh-TW" altLang="en-US" smtClean="0"/>
-              <a:t>2023/1/1</a:t>
+              <a:t>2023/1/2</a:t>
             </a:fld>
             <a:endParaRPr lang="zh-TW" altLang="en-US"/>
           </a:p>
@@ -2716,7 +2715,7 @@
           <a:p>
             <a:fld id="{8B0D2003-4D7D-4BAB-B6CD-F2459C88FDD9}" type="datetimeFigureOut">
               <a:rPr lang="zh-TW" altLang="en-US" smtClean="0"/>
-              <a:t>2023/1/1</a:t>
+              <a:t>2023/1/2</a:t>
             </a:fld>
             <a:endParaRPr lang="zh-TW" altLang="en-US"/>
           </a:p>
@@ -2957,7 +2956,7 @@
           <a:p>
             <a:fld id="{8B0D2003-4D7D-4BAB-B6CD-F2459C88FDD9}" type="datetimeFigureOut">
               <a:rPr lang="zh-TW" altLang="en-US" smtClean="0"/>
-              <a:t>2023/1/1</a:t>
+              <a:t>2023/1/2</a:t>
             </a:fld>
             <a:endParaRPr lang="zh-TW" altLang="en-US"/>
           </a:p>
@@ -4007,241 +4006,6 @@
           <p:cNvPr id="2" name="標題 1">
             <a:extLst>
               <a:ext uri="{FF2B5EF4-FFF2-40B4-BE49-F238E27FC236}">
-                <a16:creationId xmlns:a16="http://schemas.microsoft.com/office/drawing/2014/main" id="{E042CFC9-95CE-7488-6595-04B7A2EC35DB}"/>
-              </a:ext>
-            </a:extLst>
-          </p:cNvPr>
-          <p:cNvSpPr>
-            <a:spLocks noGrp="1"/>
-          </p:cNvSpPr>
-          <p:nvPr>
-            <p:ph type="title"/>
-          </p:nvPr>
-        </p:nvSpPr>
-        <p:spPr/>
-        <p:txBody>
-          <a:bodyPr/>
-          <a:lstStyle/>
-          <a:p>
-            <a:r>
-              <a:rPr lang="zh-TW" altLang="en-US" dirty="0">
-                <a:latin typeface="標楷體" panose="03000509000000000000" pitchFamily="65" charset="-120"/>
-                <a:ea typeface="標楷體" panose="03000509000000000000" pitchFamily="65" charset="-120"/>
-              </a:rPr>
-              <a:t>系統設計</a:t>
-            </a:r>
-            <a:r>
-              <a:rPr lang="en-US" altLang="zh-TW" dirty="0">
-                <a:latin typeface="標楷體" panose="03000509000000000000" pitchFamily="65" charset="-120"/>
-                <a:ea typeface="標楷體" panose="03000509000000000000" pitchFamily="65" charset="-120"/>
-              </a:rPr>
-              <a:t>cont.</a:t>
-            </a:r>
-            <a:endParaRPr lang="zh-TW" altLang="en-US" dirty="0">
-              <a:latin typeface="標楷體" panose="03000509000000000000" pitchFamily="65" charset="-120"/>
-              <a:ea typeface="標楷體" panose="03000509000000000000" pitchFamily="65" charset="-120"/>
-            </a:endParaRPr>
-          </a:p>
-        </p:txBody>
-      </p:sp>
-      <p:sp>
-        <p:nvSpPr>
-          <p:cNvPr id="3" name="內容版面配置區 2">
-            <a:extLst>
-              <a:ext uri="{FF2B5EF4-FFF2-40B4-BE49-F238E27FC236}">
-                <a16:creationId xmlns:a16="http://schemas.microsoft.com/office/drawing/2014/main" id="{EB6C2FC7-812A-BCD7-2364-2370717DE6EF}"/>
-              </a:ext>
-            </a:extLst>
-          </p:cNvPr>
-          <p:cNvSpPr>
-            <a:spLocks noGrp="1"/>
-          </p:cNvSpPr>
-          <p:nvPr>
-            <p:ph idx="1"/>
-          </p:nvPr>
-        </p:nvSpPr>
-        <p:spPr/>
-        <p:txBody>
-          <a:bodyPr/>
-          <a:lstStyle/>
-          <a:p>
-            <a:endParaRPr lang="zh-TW" altLang="en-US" dirty="0"/>
-          </a:p>
-        </p:txBody>
-      </p:sp>
-      <p:sp>
-        <p:nvSpPr>
-          <p:cNvPr id="8" name="Rectangle 8">
-            <a:extLst>
-              <a:ext uri="{FF2B5EF4-FFF2-40B4-BE49-F238E27FC236}">
-                <a16:creationId xmlns:a16="http://schemas.microsoft.com/office/drawing/2014/main" id="{5E3DF88B-0ACD-4081-212B-418391AF7969}"/>
-              </a:ext>
-            </a:extLst>
-          </p:cNvPr>
-          <p:cNvSpPr>
-            <a:spLocks noChangeArrowheads="1"/>
-          </p:cNvSpPr>
-          <p:nvPr/>
-        </p:nvSpPr>
-        <p:spPr bwMode="auto">
-          <a:xfrm>
-            <a:off x="0" y="0"/>
-            <a:ext cx="12192000" cy="457200"/>
-          </a:xfrm>
-          <a:prstGeom prst="rect">
-            <a:avLst/>
-          </a:prstGeom>
-          <a:noFill/>
-          <a:ln>
-            <a:noFill/>
-          </a:ln>
-          <a:effectLst/>
-          <a:extLst>
-            <a:ext uri="{909E8E84-426E-40DD-AFC4-6F175D3DCCD1}">
-              <a14:hiddenFill xmlns:a14="http://schemas.microsoft.com/office/drawing/2010/main">
-                <a:solidFill>
-                  <a:schemeClr val="accent1"/>
-                </a:solidFill>
-              </a14:hiddenFill>
-            </a:ext>
-            <a:ext uri="{91240B29-F687-4F45-9708-019B960494DF}">
-              <a14:hiddenLine xmlns:a14="http://schemas.microsoft.com/office/drawing/2010/main" w="9525">
-                <a:solidFill>
-                  <a:schemeClr val="tx1"/>
-                </a:solidFill>
-                <a:miter lim="800000"/>
-                <a:headEnd/>
-                <a:tailEnd/>
-              </a14:hiddenLine>
-            </a:ext>
-            <a:ext uri="{AF507438-7753-43E0-B8FC-AC1667EBCBE1}">
-              <a14:hiddenEffects xmlns:a14="http://schemas.microsoft.com/office/drawing/2010/main">
-                <a:effectLst>
-                  <a:outerShdw dist="35921" dir="2700000" algn="ctr" rotWithShape="0">
-                    <a:schemeClr val="bg2"/>
-                  </a:outerShdw>
-                </a:effectLst>
-              </a14:hiddenEffects>
-            </a:ext>
-          </a:extLst>
-        </p:spPr>
-        <p:txBody>
-          <a:bodyPr vert="horz" wrap="none" lIns="91440" tIns="45720" rIns="91440" bIns="45720" numCol="1" anchor="ctr" anchorCtr="0" compatLnSpc="1">
-            <a:prstTxWarp prst="textNoShape">
-              <a:avLst/>
-            </a:prstTxWarp>
-            <a:spAutoFit/>
-          </a:bodyPr>
-          <a:lstStyle/>
-          <a:p>
-            <a:endParaRPr lang="zh-TW" altLang="en-US"/>
-          </a:p>
-        </p:txBody>
-      </p:sp>
-      <p:sp>
-        <p:nvSpPr>
-          <p:cNvPr id="9" name="Rectangle 9">
-            <a:extLst>
-              <a:ext uri="{FF2B5EF4-FFF2-40B4-BE49-F238E27FC236}">
-                <a16:creationId xmlns:a16="http://schemas.microsoft.com/office/drawing/2014/main" id="{E542D109-D73B-1DFB-12B3-1748997C825C}"/>
-              </a:ext>
-            </a:extLst>
-          </p:cNvPr>
-          <p:cNvSpPr>
-            <a:spLocks noChangeArrowheads="1"/>
-          </p:cNvSpPr>
-          <p:nvPr/>
-        </p:nvSpPr>
-        <p:spPr bwMode="auto">
-          <a:xfrm>
-            <a:off x="609600" y="4010025"/>
-            <a:ext cx="12192000" cy="0"/>
-          </a:xfrm>
-          <a:prstGeom prst="rect">
-            <a:avLst/>
-          </a:prstGeom>
-          <a:noFill/>
-          <a:ln>
-            <a:noFill/>
-          </a:ln>
-          <a:effectLst/>
-          <a:extLst>
-            <a:ext uri="{909E8E84-426E-40DD-AFC4-6F175D3DCCD1}">
-              <a14:hiddenFill xmlns:a14="http://schemas.microsoft.com/office/drawing/2010/main">
-                <a:solidFill>
-                  <a:schemeClr val="accent1"/>
-                </a:solidFill>
-              </a14:hiddenFill>
-            </a:ext>
-            <a:ext uri="{91240B29-F687-4F45-9708-019B960494DF}">
-              <a14:hiddenLine xmlns:a14="http://schemas.microsoft.com/office/drawing/2010/main" w="9525">
-                <a:solidFill>
-                  <a:schemeClr val="tx1"/>
-                </a:solidFill>
-                <a:miter lim="800000"/>
-                <a:headEnd/>
-                <a:tailEnd/>
-              </a14:hiddenLine>
-            </a:ext>
-            <a:ext uri="{AF507438-7753-43E0-B8FC-AC1667EBCBE1}">
-              <a14:hiddenEffects xmlns:a14="http://schemas.microsoft.com/office/drawing/2010/main">
-                <a:effectLst>
-                  <a:outerShdw dist="35921" dir="2700000" algn="ctr" rotWithShape="0">
-                    <a:schemeClr val="bg2"/>
-                  </a:outerShdw>
-                </a:effectLst>
-              </a14:hiddenEffects>
-            </a:ext>
-          </a:extLst>
-        </p:spPr>
-        <p:txBody>
-          <a:bodyPr vert="horz" wrap="none" lIns="91440" tIns="45720" rIns="91440" bIns="45720" numCol="1" anchor="ctr" anchorCtr="0" compatLnSpc="1">
-            <a:prstTxWarp prst="textNoShape">
-              <a:avLst/>
-            </a:prstTxWarp>
-            <a:spAutoFit/>
-          </a:bodyPr>
-          <a:lstStyle/>
-          <a:p>
-            <a:endParaRPr lang="zh-TW" altLang="en-US"/>
-          </a:p>
-        </p:txBody>
-      </p:sp>
-    </p:spTree>
-    <p:extLst>
-      <p:ext uri="{BB962C8B-B14F-4D97-AF65-F5344CB8AC3E}">
-        <p14:creationId xmlns:p14="http://schemas.microsoft.com/office/powerpoint/2010/main" val="281503253"/>
-      </p:ext>
-    </p:extLst>
-  </p:cSld>
-  <p:clrMapOvr>
-    <a:masterClrMapping/>
-  </p:clrMapOvr>
-</p:sld>
-</file>
-
-<file path=ppt/slides/slide5.xml><?xml version="1.0" encoding="utf-8"?>
-<p:sld xmlns:a="http://schemas.openxmlformats.org/drawingml/2006/main" xmlns:r="http://schemas.openxmlformats.org/officeDocument/2006/relationships" xmlns:p="http://schemas.openxmlformats.org/presentationml/2006/main">
-  <p:cSld>
-    <p:spTree>
-      <p:nvGrpSpPr>
-        <p:cNvPr id="1" name=""/>
-        <p:cNvGrpSpPr/>
-        <p:nvPr/>
-      </p:nvGrpSpPr>
-      <p:grpSpPr>
-        <a:xfrm>
-          <a:off x="0" y="0"/>
-          <a:ext cx="0" cy="0"/>
-          <a:chOff x="0" y="0"/>
-          <a:chExt cx="0" cy="0"/>
-        </a:xfrm>
-      </p:grpSpPr>
-      <p:sp>
-        <p:nvSpPr>
-          <p:cNvPr id="2" name="標題 1">
-            <a:extLst>
-              <a:ext uri="{FF2B5EF4-FFF2-40B4-BE49-F238E27FC236}">
                 <a16:creationId xmlns:a16="http://schemas.microsoft.com/office/drawing/2014/main" id="{8C85ED48-3069-E9E7-F772-B456F6416CD3}"/>
               </a:ext>
             </a:extLst>

--- a/坐姿矯正系統.pptx
+++ b/坐姿矯正系統.pptx
@@ -8,7 +8,9 @@
     <p:sldId id="256" r:id="rId2"/>
     <p:sldId id="257" r:id="rId3"/>
     <p:sldId id="258" r:id="rId4"/>
-    <p:sldId id="260" r:id="rId5"/>
+    <p:sldId id="262" r:id="rId5"/>
+    <p:sldId id="260" r:id="rId6"/>
+    <p:sldId id="261" r:id="rId7"/>
   </p:sldIdLst>
   <p:sldSz cx="12192000" cy="6858000"/>
   <p:notesSz cx="6858000" cy="9144000"/>
@@ -306,7 +308,7 @@
           <a:p>
             <a:fld id="{8B0D2003-4D7D-4BAB-B6CD-F2459C88FDD9}" type="datetimeFigureOut">
               <a:rPr lang="zh-TW" altLang="en-US" smtClean="0"/>
-              <a:t>2023/1/2</a:t>
+              <a:t>2023/1/8</a:t>
             </a:fld>
             <a:endParaRPr lang="zh-TW" altLang="en-US"/>
           </a:p>
@@ -504,7 +506,7 @@
           <a:p>
             <a:fld id="{8B0D2003-4D7D-4BAB-B6CD-F2459C88FDD9}" type="datetimeFigureOut">
               <a:rPr lang="zh-TW" altLang="en-US" smtClean="0"/>
-              <a:t>2023/1/2</a:t>
+              <a:t>2023/1/8</a:t>
             </a:fld>
             <a:endParaRPr lang="zh-TW" altLang="en-US"/>
           </a:p>
@@ -712,7 +714,7 @@
           <a:p>
             <a:fld id="{8B0D2003-4D7D-4BAB-B6CD-F2459C88FDD9}" type="datetimeFigureOut">
               <a:rPr lang="zh-TW" altLang="en-US" smtClean="0"/>
-              <a:t>2023/1/2</a:t>
+              <a:t>2023/1/8</a:t>
             </a:fld>
             <a:endParaRPr lang="zh-TW" altLang="en-US"/>
           </a:p>
@@ -910,7 +912,7 @@
           <a:p>
             <a:fld id="{8B0D2003-4D7D-4BAB-B6CD-F2459C88FDD9}" type="datetimeFigureOut">
               <a:rPr lang="zh-TW" altLang="en-US" smtClean="0"/>
-              <a:t>2023/1/2</a:t>
+              <a:t>2023/1/8</a:t>
             </a:fld>
             <a:endParaRPr lang="zh-TW" altLang="en-US"/>
           </a:p>
@@ -1185,7 +1187,7 @@
           <a:p>
             <a:fld id="{8B0D2003-4D7D-4BAB-B6CD-F2459C88FDD9}" type="datetimeFigureOut">
               <a:rPr lang="zh-TW" altLang="en-US" smtClean="0"/>
-              <a:t>2023/1/2</a:t>
+              <a:t>2023/1/8</a:t>
             </a:fld>
             <a:endParaRPr lang="zh-TW" altLang="en-US"/>
           </a:p>
@@ -1450,7 +1452,7 @@
           <a:p>
             <a:fld id="{8B0D2003-4D7D-4BAB-B6CD-F2459C88FDD9}" type="datetimeFigureOut">
               <a:rPr lang="zh-TW" altLang="en-US" smtClean="0"/>
-              <a:t>2023/1/2</a:t>
+              <a:t>2023/1/8</a:t>
             </a:fld>
             <a:endParaRPr lang="zh-TW" altLang="en-US"/>
           </a:p>
@@ -1862,7 +1864,7 @@
           <a:p>
             <a:fld id="{8B0D2003-4D7D-4BAB-B6CD-F2459C88FDD9}" type="datetimeFigureOut">
               <a:rPr lang="zh-TW" altLang="en-US" smtClean="0"/>
-              <a:t>2023/1/2</a:t>
+              <a:t>2023/1/8</a:t>
             </a:fld>
             <a:endParaRPr lang="zh-TW" altLang="en-US"/>
           </a:p>
@@ -2003,7 +2005,7 @@
           <a:p>
             <a:fld id="{8B0D2003-4D7D-4BAB-B6CD-F2459C88FDD9}" type="datetimeFigureOut">
               <a:rPr lang="zh-TW" altLang="en-US" smtClean="0"/>
-              <a:t>2023/1/2</a:t>
+              <a:t>2023/1/8</a:t>
             </a:fld>
             <a:endParaRPr lang="zh-TW" altLang="en-US"/>
           </a:p>
@@ -2116,7 +2118,7 @@
           <a:p>
             <a:fld id="{8B0D2003-4D7D-4BAB-B6CD-F2459C88FDD9}" type="datetimeFigureOut">
               <a:rPr lang="zh-TW" altLang="en-US" smtClean="0"/>
-              <a:t>2023/1/2</a:t>
+              <a:t>2023/1/8</a:t>
             </a:fld>
             <a:endParaRPr lang="zh-TW" altLang="en-US"/>
           </a:p>
@@ -2427,7 +2429,7 @@
           <a:p>
             <a:fld id="{8B0D2003-4D7D-4BAB-B6CD-F2459C88FDD9}" type="datetimeFigureOut">
               <a:rPr lang="zh-TW" altLang="en-US" smtClean="0"/>
-              <a:t>2023/1/2</a:t>
+              <a:t>2023/1/8</a:t>
             </a:fld>
             <a:endParaRPr lang="zh-TW" altLang="en-US"/>
           </a:p>
@@ -2715,7 +2717,7 @@
           <a:p>
             <a:fld id="{8B0D2003-4D7D-4BAB-B6CD-F2459C88FDD9}" type="datetimeFigureOut">
               <a:rPr lang="zh-TW" altLang="en-US" smtClean="0"/>
-              <a:t>2023/1/2</a:t>
+              <a:t>2023/1/8</a:t>
             </a:fld>
             <a:endParaRPr lang="zh-TW" altLang="en-US"/>
           </a:p>
@@ -2956,7 +2958,7 @@
           <a:p>
             <a:fld id="{8B0D2003-4D7D-4BAB-B6CD-F2459C88FDD9}" type="datetimeFigureOut">
               <a:rPr lang="zh-TW" altLang="en-US" smtClean="0"/>
-              <a:t>2023/1/2</a:t>
+              <a:t>2023/1/8</a:t>
             </a:fld>
             <a:endParaRPr lang="zh-TW" altLang="en-US"/>
           </a:p>
@@ -4006,6 +4008,117 @@
           <p:cNvPr id="2" name="標題 1">
             <a:extLst>
               <a:ext uri="{FF2B5EF4-FFF2-40B4-BE49-F238E27FC236}">
+                <a16:creationId xmlns:a16="http://schemas.microsoft.com/office/drawing/2014/main" id="{1BAB3D33-DCD4-DCD1-36E7-BA06D5B5B609}"/>
+              </a:ext>
+            </a:extLst>
+          </p:cNvPr>
+          <p:cNvSpPr>
+            <a:spLocks noGrp="1"/>
+          </p:cNvSpPr>
+          <p:nvPr>
+            <p:ph type="title"/>
+          </p:nvPr>
+        </p:nvSpPr>
+        <p:spPr/>
+        <p:txBody>
+          <a:bodyPr/>
+          <a:lstStyle/>
+          <a:p>
+            <a:r>
+              <a:rPr lang="zh-TW" altLang="en-US" dirty="0">
+                <a:latin typeface="標楷體" panose="03000509000000000000" pitchFamily="65" charset="-120"/>
+                <a:ea typeface="標楷體" panose="03000509000000000000" pitchFamily="65" charset="-120"/>
+              </a:rPr>
+              <a:t>研究開發系統</a:t>
+            </a:r>
+          </a:p>
+        </p:txBody>
+      </p:sp>
+      <p:sp>
+        <p:nvSpPr>
+          <p:cNvPr id="3" name="內容版面配置區 2">
+            <a:extLst>
+              <a:ext uri="{FF2B5EF4-FFF2-40B4-BE49-F238E27FC236}">
+                <a16:creationId xmlns:a16="http://schemas.microsoft.com/office/drawing/2014/main" id="{30CB2ED5-7A75-39C3-6235-B95B65A33023}"/>
+              </a:ext>
+            </a:extLst>
+          </p:cNvPr>
+          <p:cNvSpPr>
+            <a:spLocks noGrp="1"/>
+          </p:cNvSpPr>
+          <p:nvPr>
+            <p:ph idx="1"/>
+          </p:nvPr>
+        </p:nvSpPr>
+        <p:spPr/>
+        <p:txBody>
+          <a:bodyPr/>
+          <a:lstStyle/>
+          <a:p>
+            <a:r>
+              <a:rPr lang="en-US" altLang="zh-TW" dirty="0" err="1"/>
+              <a:t>MoveNet</a:t>
+            </a:r>
+            <a:endParaRPr lang="en-US" altLang="zh-TW" dirty="0"/>
+          </a:p>
+          <a:p>
+            <a:r>
+              <a:rPr lang="en-US" altLang="zh-TW" dirty="0" err="1"/>
+              <a:t>OpenPose</a:t>
+            </a:r>
+            <a:endParaRPr lang="en-US" altLang="zh-TW" dirty="0"/>
+          </a:p>
+          <a:p>
+            <a:endParaRPr lang="en-US" altLang="zh-TW" dirty="0"/>
+          </a:p>
+          <a:p>
+            <a:r>
+              <a:rPr lang="zh-TW" altLang="en-US" dirty="0"/>
+              <a:t>學習</a:t>
+            </a:r>
+            <a:r>
+              <a:rPr lang="en-US" altLang="zh-TW" dirty="0"/>
+              <a:t>python</a:t>
+            </a:r>
+            <a:endParaRPr lang="zh-TW" altLang="en-US" dirty="0"/>
+          </a:p>
+        </p:txBody>
+      </p:sp>
+    </p:spTree>
+    <p:extLst>
+      <p:ext uri="{BB962C8B-B14F-4D97-AF65-F5344CB8AC3E}">
+        <p14:creationId xmlns:p14="http://schemas.microsoft.com/office/powerpoint/2010/main" val="2065086121"/>
+      </p:ext>
+    </p:extLst>
+  </p:cSld>
+  <p:clrMapOvr>
+    <a:masterClrMapping/>
+  </p:clrMapOvr>
+</p:sld>
+</file>
+
+<file path=ppt/slides/slide5.xml><?xml version="1.0" encoding="utf-8"?>
+<p:sld xmlns:a="http://schemas.openxmlformats.org/drawingml/2006/main" xmlns:r="http://schemas.openxmlformats.org/officeDocument/2006/relationships" xmlns:p="http://schemas.openxmlformats.org/presentationml/2006/main">
+  <p:cSld>
+    <p:spTree>
+      <p:nvGrpSpPr>
+        <p:cNvPr id="1" name=""/>
+        <p:cNvGrpSpPr/>
+        <p:nvPr/>
+      </p:nvGrpSpPr>
+      <p:grpSpPr>
+        <a:xfrm>
+          <a:off x="0" y="0"/>
+          <a:ext cx="0" cy="0"/>
+          <a:chOff x="0" y="0"/>
+          <a:chExt cx="0" cy="0"/>
+        </a:xfrm>
+      </p:grpSpPr>
+      <p:sp>
+        <p:nvSpPr>
+          <p:cNvPr id="2" name="標題 1">
+            <a:extLst>
+              <a:ext uri="{FF2B5EF4-FFF2-40B4-BE49-F238E27FC236}">
                 <a16:creationId xmlns:a16="http://schemas.microsoft.com/office/drawing/2014/main" id="{8C85ED48-3069-E9E7-F772-B456F6416CD3}"/>
               </a:ext>
             </a:extLst>
@@ -4165,6 +4278,146 @@
     <p:extLst>
       <p:ext uri="{BB962C8B-B14F-4D97-AF65-F5344CB8AC3E}">
         <p14:creationId xmlns:p14="http://schemas.microsoft.com/office/powerpoint/2010/main" val="1774998366"/>
+      </p:ext>
+    </p:extLst>
+  </p:cSld>
+  <p:clrMapOvr>
+    <a:masterClrMapping/>
+  </p:clrMapOvr>
+</p:sld>
+</file>
+
+<file path=ppt/slides/slide6.xml><?xml version="1.0" encoding="utf-8"?>
+<p:sld xmlns:a="http://schemas.openxmlformats.org/drawingml/2006/main" xmlns:r="http://schemas.openxmlformats.org/officeDocument/2006/relationships" xmlns:p="http://schemas.openxmlformats.org/presentationml/2006/main">
+  <p:cSld>
+    <p:spTree>
+      <p:nvGrpSpPr>
+        <p:cNvPr id="1" name=""/>
+        <p:cNvGrpSpPr/>
+        <p:nvPr/>
+      </p:nvGrpSpPr>
+      <p:grpSpPr>
+        <a:xfrm>
+          <a:off x="0" y="0"/>
+          <a:ext cx="0" cy="0"/>
+          <a:chOff x="0" y="0"/>
+          <a:chExt cx="0" cy="0"/>
+        </a:xfrm>
+      </p:grpSpPr>
+      <p:sp>
+        <p:nvSpPr>
+          <p:cNvPr id="2" name="標題 1">
+            <a:extLst>
+              <a:ext uri="{FF2B5EF4-FFF2-40B4-BE49-F238E27FC236}">
+                <a16:creationId xmlns:a16="http://schemas.microsoft.com/office/drawing/2014/main" id="{07B8E9A8-5D2A-FDEC-A4BE-EB123900ABAE}"/>
+              </a:ext>
+            </a:extLst>
+          </p:cNvPr>
+          <p:cNvSpPr>
+            <a:spLocks noGrp="1"/>
+          </p:cNvSpPr>
+          <p:nvPr>
+            <p:ph type="title"/>
+          </p:nvPr>
+        </p:nvSpPr>
+        <p:spPr/>
+        <p:txBody>
+          <a:bodyPr/>
+          <a:lstStyle/>
+          <a:p>
+            <a:r>
+              <a:rPr lang="zh-TW" altLang="en-US" dirty="0">
+                <a:latin typeface="標楷體" panose="03000509000000000000" pitchFamily="65" charset="-120"/>
+                <a:ea typeface="標楷體" panose="03000509000000000000" pitchFamily="65" charset="-120"/>
+              </a:rPr>
+              <a:t>參考資料</a:t>
+            </a:r>
+          </a:p>
+        </p:txBody>
+      </p:sp>
+      <p:sp>
+        <p:nvSpPr>
+          <p:cNvPr id="3" name="內容版面配置區 2">
+            <a:extLst>
+              <a:ext uri="{FF2B5EF4-FFF2-40B4-BE49-F238E27FC236}">
+                <a16:creationId xmlns:a16="http://schemas.microsoft.com/office/drawing/2014/main" id="{94D15C40-4BA3-E653-5F43-80109AAC2D0C}"/>
+              </a:ext>
+            </a:extLst>
+          </p:cNvPr>
+          <p:cNvSpPr>
+            <a:spLocks noGrp="1"/>
+          </p:cNvSpPr>
+          <p:nvPr>
+            <p:ph idx="1"/>
+          </p:nvPr>
+        </p:nvSpPr>
+        <p:spPr/>
+        <p:txBody>
+          <a:bodyPr/>
+          <a:lstStyle/>
+          <a:p>
+            <a:r>
+              <a:rPr lang="en-US" altLang="zh-CN" dirty="0">
+                <a:hlinkClick r:id="rId2"/>
+              </a:rPr>
+              <a:t>(177) 【</a:t>
+            </a:r>
+            <a:r>
+              <a:rPr lang="zh-CN" altLang="en-US" dirty="0">
+                <a:hlinkClick r:id="rId2"/>
+              </a:rPr>
+              <a:t>亦</a:t>
+            </a:r>
+            <a:r>
+              <a:rPr lang="en-US" altLang="zh-CN" dirty="0">
+                <a:hlinkClick r:id="rId2"/>
+              </a:rPr>
+              <a:t>】</a:t>
+            </a:r>
+            <a:r>
+              <a:rPr lang="zh-CN" altLang="en-US" dirty="0">
+                <a:hlinkClick r:id="rId2"/>
+              </a:rPr>
+              <a:t>暴躁</a:t>
+            </a:r>
+            <a:r>
+              <a:rPr lang="en-US" altLang="zh-CN" dirty="0">
+                <a:hlinkClick r:id="rId2"/>
+              </a:rPr>
+              <a:t>AI</a:t>
+            </a:r>
+            <a:r>
+              <a:rPr lang="zh-CN" altLang="en-US" dirty="0">
+                <a:hlinkClick r:id="rId2"/>
+              </a:rPr>
+              <a:t>在线折磨！我让</a:t>
+            </a:r>
+            <a:r>
+              <a:rPr lang="en-US" altLang="zh-CN" dirty="0">
+                <a:hlinkClick r:id="rId2"/>
+              </a:rPr>
+              <a:t>AI</a:t>
+            </a:r>
+            <a:r>
+              <a:rPr lang="zh-CN" altLang="en-US" dirty="0">
+                <a:hlinkClick r:id="rId2"/>
+              </a:rPr>
+              <a:t>盯着我，骂好了我的弯腰驼背 </a:t>
+            </a:r>
+            <a:r>
+              <a:rPr lang="en-US" altLang="zh-CN" dirty="0">
+                <a:hlinkClick r:id="rId2"/>
+              </a:rPr>
+              <a:t>- YouTube</a:t>
+            </a:r>
+            <a:endParaRPr lang="zh-TW" altLang="en-US" dirty="0"/>
+          </a:p>
+        </p:txBody>
+      </p:sp>
+    </p:spTree>
+    <p:extLst>
+      <p:ext uri="{BB962C8B-B14F-4D97-AF65-F5344CB8AC3E}">
+        <p14:creationId xmlns:p14="http://schemas.microsoft.com/office/powerpoint/2010/main" val="587045264"/>
       </p:ext>
     </p:extLst>
   </p:cSld>

--- a/坐姿矯正系統.pptx
+++ b/坐姿矯正系統.pptx
@@ -8,9 +8,11 @@
     <p:sldId id="256" r:id="rId2"/>
     <p:sldId id="257" r:id="rId3"/>
     <p:sldId id="258" r:id="rId4"/>
-    <p:sldId id="262" r:id="rId5"/>
-    <p:sldId id="260" r:id="rId6"/>
-    <p:sldId id="261" r:id="rId7"/>
+    <p:sldId id="263" r:id="rId5"/>
+    <p:sldId id="264" r:id="rId6"/>
+    <p:sldId id="262" r:id="rId7"/>
+    <p:sldId id="260" r:id="rId8"/>
+    <p:sldId id="261" r:id="rId9"/>
   </p:sldIdLst>
   <p:sldSz cx="12192000" cy="6858000"/>
   <p:notesSz cx="6858000" cy="9144000"/>
@@ -308,7 +310,7 @@
           <a:p>
             <a:fld id="{8B0D2003-4D7D-4BAB-B6CD-F2459C88FDD9}" type="datetimeFigureOut">
               <a:rPr lang="zh-TW" altLang="en-US" smtClean="0"/>
-              <a:t>2023/1/8</a:t>
+              <a:t>2023/1/20</a:t>
             </a:fld>
             <a:endParaRPr lang="zh-TW" altLang="en-US"/>
           </a:p>
@@ -506,7 +508,7 @@
           <a:p>
             <a:fld id="{8B0D2003-4D7D-4BAB-B6CD-F2459C88FDD9}" type="datetimeFigureOut">
               <a:rPr lang="zh-TW" altLang="en-US" smtClean="0"/>
-              <a:t>2023/1/8</a:t>
+              <a:t>2023/1/20</a:t>
             </a:fld>
             <a:endParaRPr lang="zh-TW" altLang="en-US"/>
           </a:p>
@@ -714,7 +716,7 @@
           <a:p>
             <a:fld id="{8B0D2003-4D7D-4BAB-B6CD-F2459C88FDD9}" type="datetimeFigureOut">
               <a:rPr lang="zh-TW" altLang="en-US" smtClean="0"/>
-              <a:t>2023/1/8</a:t>
+              <a:t>2023/1/20</a:t>
             </a:fld>
             <a:endParaRPr lang="zh-TW" altLang="en-US"/>
           </a:p>
@@ -912,7 +914,7 @@
           <a:p>
             <a:fld id="{8B0D2003-4D7D-4BAB-B6CD-F2459C88FDD9}" type="datetimeFigureOut">
               <a:rPr lang="zh-TW" altLang="en-US" smtClean="0"/>
-              <a:t>2023/1/8</a:t>
+              <a:t>2023/1/20</a:t>
             </a:fld>
             <a:endParaRPr lang="zh-TW" altLang="en-US"/>
           </a:p>
@@ -1187,7 +1189,7 @@
           <a:p>
             <a:fld id="{8B0D2003-4D7D-4BAB-B6CD-F2459C88FDD9}" type="datetimeFigureOut">
               <a:rPr lang="zh-TW" altLang="en-US" smtClean="0"/>
-              <a:t>2023/1/8</a:t>
+              <a:t>2023/1/20</a:t>
             </a:fld>
             <a:endParaRPr lang="zh-TW" altLang="en-US"/>
           </a:p>
@@ -1452,7 +1454,7 @@
           <a:p>
             <a:fld id="{8B0D2003-4D7D-4BAB-B6CD-F2459C88FDD9}" type="datetimeFigureOut">
               <a:rPr lang="zh-TW" altLang="en-US" smtClean="0"/>
-              <a:t>2023/1/8</a:t>
+              <a:t>2023/1/20</a:t>
             </a:fld>
             <a:endParaRPr lang="zh-TW" altLang="en-US"/>
           </a:p>
@@ -1864,7 +1866,7 @@
           <a:p>
             <a:fld id="{8B0D2003-4D7D-4BAB-B6CD-F2459C88FDD9}" type="datetimeFigureOut">
               <a:rPr lang="zh-TW" altLang="en-US" smtClean="0"/>
-              <a:t>2023/1/8</a:t>
+              <a:t>2023/1/20</a:t>
             </a:fld>
             <a:endParaRPr lang="zh-TW" altLang="en-US"/>
           </a:p>
@@ -2005,7 +2007,7 @@
           <a:p>
             <a:fld id="{8B0D2003-4D7D-4BAB-B6CD-F2459C88FDD9}" type="datetimeFigureOut">
               <a:rPr lang="zh-TW" altLang="en-US" smtClean="0"/>
-              <a:t>2023/1/8</a:t>
+              <a:t>2023/1/20</a:t>
             </a:fld>
             <a:endParaRPr lang="zh-TW" altLang="en-US"/>
           </a:p>
@@ -2118,7 +2120,7 @@
           <a:p>
             <a:fld id="{8B0D2003-4D7D-4BAB-B6CD-F2459C88FDD9}" type="datetimeFigureOut">
               <a:rPr lang="zh-TW" altLang="en-US" smtClean="0"/>
-              <a:t>2023/1/8</a:t>
+              <a:t>2023/1/20</a:t>
             </a:fld>
             <a:endParaRPr lang="zh-TW" altLang="en-US"/>
           </a:p>
@@ -2429,7 +2431,7 @@
           <a:p>
             <a:fld id="{8B0D2003-4D7D-4BAB-B6CD-F2459C88FDD9}" type="datetimeFigureOut">
               <a:rPr lang="zh-TW" altLang="en-US" smtClean="0"/>
-              <a:t>2023/1/8</a:t>
+              <a:t>2023/1/20</a:t>
             </a:fld>
             <a:endParaRPr lang="zh-TW" altLang="en-US"/>
           </a:p>
@@ -2717,7 +2719,7 @@
           <a:p>
             <a:fld id="{8B0D2003-4D7D-4BAB-B6CD-F2459C88FDD9}" type="datetimeFigureOut">
               <a:rPr lang="zh-TW" altLang="en-US" smtClean="0"/>
-              <a:t>2023/1/8</a:t>
+              <a:t>2023/1/20</a:t>
             </a:fld>
             <a:endParaRPr lang="zh-TW" altLang="en-US"/>
           </a:p>
@@ -2958,7 +2960,7 @@
           <a:p>
             <a:fld id="{8B0D2003-4D7D-4BAB-B6CD-F2459C88FDD9}" type="datetimeFigureOut">
               <a:rPr lang="zh-TW" altLang="en-US" smtClean="0"/>
-              <a:t>2023/1/8</a:t>
+              <a:t>2023/1/20</a:t>
             </a:fld>
             <a:endParaRPr lang="zh-TW" altLang="en-US"/>
           </a:p>
@@ -4008,7 +4010,7 @@
           <p:cNvPr id="2" name="標題 1">
             <a:extLst>
               <a:ext uri="{FF2B5EF4-FFF2-40B4-BE49-F238E27FC236}">
-                <a16:creationId xmlns:a16="http://schemas.microsoft.com/office/drawing/2014/main" id="{1BAB3D33-DCD4-DCD1-36E7-BA06D5B5B609}"/>
+                <a16:creationId xmlns:a16="http://schemas.microsoft.com/office/drawing/2014/main" id="{250E5FF9-8B13-6496-A8A7-C2F20CF6CB84}"/>
               </a:ext>
             </a:extLst>
           </p:cNvPr>
@@ -4029,7 +4031,7 @@
                 <a:latin typeface="標楷體" panose="03000509000000000000" pitchFamily="65" charset="-120"/>
                 <a:ea typeface="標楷體" panose="03000509000000000000" pitchFamily="65" charset="-120"/>
               </a:rPr>
-              <a:t>研究開發系統</a:t>
+              <a:t>為何要在手機上運行</a:t>
             </a:r>
           </a:p>
         </p:txBody>
@@ -4039,7 +4041,7 @@
           <p:cNvPr id="3" name="內容版面配置區 2">
             <a:extLst>
               <a:ext uri="{FF2B5EF4-FFF2-40B4-BE49-F238E27FC236}">
-                <a16:creationId xmlns:a16="http://schemas.microsoft.com/office/drawing/2014/main" id="{30CB2ED5-7A75-39C3-6235-B95B65A33023}"/>
+                <a16:creationId xmlns:a16="http://schemas.microsoft.com/office/drawing/2014/main" id="{DD0CB3CD-D53E-E504-6069-82807F3CF1BA}"/>
               </a:ext>
             </a:extLst>
           </p:cNvPr>
@@ -4056,38 +4058,74 @@
           <a:lstStyle/>
           <a:p>
             <a:r>
-              <a:rPr lang="en-US" altLang="zh-TW" dirty="0" err="1"/>
-              <a:t>MoveNet</a:t>
-            </a:r>
-            <a:endParaRPr lang="en-US" altLang="zh-TW" dirty="0"/>
-          </a:p>
-          <a:p>
-            <a:r>
-              <a:rPr lang="en-US" altLang="zh-TW" dirty="0" err="1"/>
-              <a:t>OpenPose</a:t>
-            </a:r>
-            <a:endParaRPr lang="en-US" altLang="zh-TW" dirty="0"/>
-          </a:p>
-          <a:p>
-            <a:endParaRPr lang="en-US" altLang="zh-TW" dirty="0"/>
-          </a:p>
-          <a:p>
-            <a:r>
-              <a:rPr lang="zh-TW" altLang="en-US" dirty="0"/>
-              <a:t>學習</a:t>
-            </a:r>
-            <a:r>
-              <a:rPr lang="en-US" altLang="zh-TW" dirty="0"/>
-              <a:t>python</a:t>
-            </a:r>
-            <a:endParaRPr lang="zh-TW" altLang="en-US" dirty="0"/>
+              <a:rPr lang="zh-TW" altLang="en-US" dirty="0">
+                <a:latin typeface="標楷體" panose="03000509000000000000" pitchFamily="65" charset="-120"/>
+                <a:ea typeface="標楷體" panose="03000509000000000000" pitchFamily="65" charset="-120"/>
+              </a:rPr>
+              <a:t>目前手機</a:t>
+            </a:r>
+            <a:r>
+              <a:rPr lang="en-US" altLang="zh-TW" dirty="0">
+                <a:latin typeface="標楷體" panose="03000509000000000000" pitchFamily="65" charset="-120"/>
+                <a:ea typeface="標楷體" panose="03000509000000000000" pitchFamily="65" charset="-120"/>
+              </a:rPr>
+              <a:t>AI</a:t>
+            </a:r>
+            <a:r>
+              <a:rPr lang="zh-TW" altLang="en-US" dirty="0">
+                <a:latin typeface="標楷體" panose="03000509000000000000" pitchFamily="65" charset="-120"/>
+                <a:ea typeface="標楷體" panose="03000509000000000000" pitchFamily="65" charset="-120"/>
+              </a:rPr>
+              <a:t>程式大都是在伺服器上跑，但當遇到網路狀態不好的時候，運行效果會不好，以上的因素會影響到我們這款程式運行的效果，畢竟使用者是要把手機放在一旁監測動作，如果網路斷了或不好，他就無法很好的監測使用者。 所以讓程式在手機</a:t>
+            </a:r>
+            <a:r>
+              <a:rPr lang="en-US" altLang="zh-TW" dirty="0">
+                <a:latin typeface="標楷體" panose="03000509000000000000" pitchFamily="65" charset="-120"/>
+                <a:ea typeface="標楷體" panose="03000509000000000000" pitchFamily="65" charset="-120"/>
+              </a:rPr>
+              <a:t>local</a:t>
+            </a:r>
+            <a:r>
+              <a:rPr lang="zh-TW" altLang="en-US" dirty="0">
+                <a:latin typeface="標楷體" panose="03000509000000000000" pitchFamily="65" charset="-120"/>
+                <a:ea typeface="標楷體" panose="03000509000000000000" pitchFamily="65" charset="-120"/>
+              </a:rPr>
+              <a:t>端跑是最理想的。</a:t>
+            </a:r>
+            <a:endParaRPr lang="en-US" altLang="zh-TW" dirty="0">
+              <a:latin typeface="標楷體" panose="03000509000000000000" pitchFamily="65" charset="-120"/>
+              <a:ea typeface="標楷體" panose="03000509000000000000" pitchFamily="65" charset="-120"/>
+            </a:endParaRPr>
+          </a:p>
+          <a:p>
+            <a:r>
+              <a:rPr lang="zh-TW" altLang="en-US" dirty="0">
+                <a:latin typeface="標楷體" panose="03000509000000000000" pitchFamily="65" charset="-120"/>
+                <a:ea typeface="標楷體" panose="03000509000000000000" pitchFamily="65" charset="-120"/>
+              </a:rPr>
+              <a:t>再來，也是在注重隱私，畢竟我們鏡頭隨時都是開啟的狀態，為避免被他人偷窺，在</a:t>
+            </a:r>
+            <a:r>
+              <a:rPr lang="en-US" altLang="zh-TW" dirty="0">
+                <a:latin typeface="標楷體" panose="03000509000000000000" pitchFamily="65" charset="-120"/>
+                <a:ea typeface="標楷體" panose="03000509000000000000" pitchFamily="65" charset="-120"/>
+              </a:rPr>
+              <a:t>local</a:t>
+            </a:r>
+            <a:r>
+              <a:rPr lang="zh-TW" altLang="en-US" dirty="0">
+                <a:latin typeface="標楷體" panose="03000509000000000000" pitchFamily="65" charset="-120"/>
+                <a:ea typeface="標楷體" panose="03000509000000000000" pitchFamily="65" charset="-120"/>
+              </a:rPr>
+              <a:t>執行，也能很好迴避隱私的疑慮</a:t>
+            </a:r>
           </a:p>
         </p:txBody>
       </p:sp>
     </p:spTree>
     <p:extLst>
       <p:ext uri="{BB962C8B-B14F-4D97-AF65-F5344CB8AC3E}">
-        <p14:creationId xmlns:p14="http://schemas.microsoft.com/office/powerpoint/2010/main" val="2065086121"/>
+        <p14:creationId xmlns:p14="http://schemas.microsoft.com/office/powerpoint/2010/main" val="1346301687"/>
       </p:ext>
     </p:extLst>
   </p:cSld>
@@ -4119,6 +4157,206 @@
           <p:cNvPr id="2" name="標題 1">
             <a:extLst>
               <a:ext uri="{FF2B5EF4-FFF2-40B4-BE49-F238E27FC236}">
+                <a16:creationId xmlns:a16="http://schemas.microsoft.com/office/drawing/2014/main" id="{981E3B53-813C-A9F6-6BE0-28F8113D1032}"/>
+              </a:ext>
+            </a:extLst>
+          </p:cNvPr>
+          <p:cNvSpPr>
+            <a:spLocks noGrp="1"/>
+          </p:cNvSpPr>
+          <p:nvPr>
+            <p:ph type="title"/>
+          </p:nvPr>
+        </p:nvSpPr>
+        <p:spPr/>
+        <p:txBody>
+          <a:bodyPr/>
+          <a:lstStyle/>
+          <a:p>
+            <a:r>
+              <a:rPr lang="zh-TW" altLang="en-US" dirty="0">
+                <a:latin typeface="標楷體" panose="03000509000000000000" pitchFamily="65" charset="-120"/>
+                <a:ea typeface="標楷體" panose="03000509000000000000" pitchFamily="65" charset="-120"/>
+              </a:rPr>
+              <a:t>開發此系統所需求之設備</a:t>
+            </a:r>
+          </a:p>
+        </p:txBody>
+      </p:sp>
+      <p:sp>
+        <p:nvSpPr>
+          <p:cNvPr id="3" name="內容版面配置區 2">
+            <a:extLst>
+              <a:ext uri="{FF2B5EF4-FFF2-40B4-BE49-F238E27FC236}">
+                <a16:creationId xmlns:a16="http://schemas.microsoft.com/office/drawing/2014/main" id="{EFC0A2F2-DAF8-B539-90A6-086801908EF4}"/>
+              </a:ext>
+            </a:extLst>
+          </p:cNvPr>
+          <p:cNvSpPr>
+            <a:spLocks noGrp="1"/>
+          </p:cNvSpPr>
+          <p:nvPr>
+            <p:ph idx="1"/>
+          </p:nvPr>
+        </p:nvSpPr>
+        <p:spPr/>
+        <p:txBody>
+          <a:bodyPr/>
+          <a:lstStyle/>
+          <a:p>
+            <a:r>
+              <a:rPr lang="zh-TW" altLang="en-US"/>
+              <a:t>安卓手機 一台</a:t>
+            </a:r>
+          </a:p>
+        </p:txBody>
+      </p:sp>
+    </p:spTree>
+    <p:extLst>
+      <p:ext uri="{BB962C8B-B14F-4D97-AF65-F5344CB8AC3E}">
+        <p14:creationId xmlns:p14="http://schemas.microsoft.com/office/powerpoint/2010/main" val="4199668223"/>
+      </p:ext>
+    </p:extLst>
+  </p:cSld>
+  <p:clrMapOvr>
+    <a:masterClrMapping/>
+  </p:clrMapOvr>
+</p:sld>
+</file>
+
+<file path=ppt/slides/slide6.xml><?xml version="1.0" encoding="utf-8"?>
+<p:sld xmlns:a="http://schemas.openxmlformats.org/drawingml/2006/main" xmlns:r="http://schemas.openxmlformats.org/officeDocument/2006/relationships" xmlns:p="http://schemas.openxmlformats.org/presentationml/2006/main">
+  <p:cSld>
+    <p:spTree>
+      <p:nvGrpSpPr>
+        <p:cNvPr id="1" name=""/>
+        <p:cNvGrpSpPr/>
+        <p:nvPr/>
+      </p:nvGrpSpPr>
+      <p:grpSpPr>
+        <a:xfrm>
+          <a:off x="0" y="0"/>
+          <a:ext cx="0" cy="0"/>
+          <a:chOff x="0" y="0"/>
+          <a:chExt cx="0" cy="0"/>
+        </a:xfrm>
+      </p:grpSpPr>
+      <p:sp>
+        <p:nvSpPr>
+          <p:cNvPr id="2" name="標題 1">
+            <a:extLst>
+              <a:ext uri="{FF2B5EF4-FFF2-40B4-BE49-F238E27FC236}">
+                <a16:creationId xmlns:a16="http://schemas.microsoft.com/office/drawing/2014/main" id="{1BAB3D33-DCD4-DCD1-36E7-BA06D5B5B609}"/>
+              </a:ext>
+            </a:extLst>
+          </p:cNvPr>
+          <p:cNvSpPr>
+            <a:spLocks noGrp="1"/>
+          </p:cNvSpPr>
+          <p:nvPr>
+            <p:ph type="title"/>
+          </p:nvPr>
+        </p:nvSpPr>
+        <p:spPr/>
+        <p:txBody>
+          <a:bodyPr/>
+          <a:lstStyle/>
+          <a:p>
+            <a:r>
+              <a:rPr lang="zh-TW" altLang="en-US" dirty="0">
+                <a:latin typeface="標楷體" panose="03000509000000000000" pitchFamily="65" charset="-120"/>
+                <a:ea typeface="標楷體" panose="03000509000000000000" pitchFamily="65" charset="-120"/>
+              </a:rPr>
+              <a:t>研究開發系統</a:t>
+            </a:r>
+          </a:p>
+        </p:txBody>
+      </p:sp>
+      <p:sp>
+        <p:nvSpPr>
+          <p:cNvPr id="3" name="內容版面配置區 2">
+            <a:extLst>
+              <a:ext uri="{FF2B5EF4-FFF2-40B4-BE49-F238E27FC236}">
+                <a16:creationId xmlns:a16="http://schemas.microsoft.com/office/drawing/2014/main" id="{30CB2ED5-7A75-39C3-6235-B95B65A33023}"/>
+              </a:ext>
+            </a:extLst>
+          </p:cNvPr>
+          <p:cNvSpPr>
+            <a:spLocks noGrp="1"/>
+          </p:cNvSpPr>
+          <p:nvPr>
+            <p:ph idx="1"/>
+          </p:nvPr>
+        </p:nvSpPr>
+        <p:spPr/>
+        <p:txBody>
+          <a:bodyPr/>
+          <a:lstStyle/>
+          <a:p>
+            <a:r>
+              <a:rPr lang="en-US" altLang="zh-TW" dirty="0" err="1"/>
+              <a:t>MoveNet</a:t>
+            </a:r>
+            <a:endParaRPr lang="en-US" altLang="zh-TW" dirty="0"/>
+          </a:p>
+          <a:p>
+            <a:r>
+              <a:rPr lang="en-US" altLang="zh-TW" dirty="0" err="1"/>
+              <a:t>OpenPose</a:t>
+            </a:r>
+            <a:endParaRPr lang="en-US" altLang="zh-TW" dirty="0"/>
+          </a:p>
+          <a:p>
+            <a:endParaRPr lang="en-US" altLang="zh-TW" dirty="0"/>
+          </a:p>
+          <a:p>
+            <a:r>
+              <a:rPr lang="zh-TW" altLang="en-US" dirty="0"/>
+              <a:t>學習</a:t>
+            </a:r>
+            <a:r>
+              <a:rPr lang="en-US" altLang="zh-TW" dirty="0"/>
+              <a:t>python</a:t>
+            </a:r>
+            <a:endParaRPr lang="zh-TW" altLang="en-US" dirty="0"/>
+          </a:p>
+        </p:txBody>
+      </p:sp>
+    </p:spTree>
+    <p:extLst>
+      <p:ext uri="{BB962C8B-B14F-4D97-AF65-F5344CB8AC3E}">
+        <p14:creationId xmlns:p14="http://schemas.microsoft.com/office/powerpoint/2010/main" val="2065086121"/>
+      </p:ext>
+    </p:extLst>
+  </p:cSld>
+  <p:clrMapOvr>
+    <a:masterClrMapping/>
+  </p:clrMapOvr>
+</p:sld>
+</file>
+
+<file path=ppt/slides/slide7.xml><?xml version="1.0" encoding="utf-8"?>
+<p:sld xmlns:a="http://schemas.openxmlformats.org/drawingml/2006/main" xmlns:r="http://schemas.openxmlformats.org/officeDocument/2006/relationships" xmlns:p="http://schemas.openxmlformats.org/presentationml/2006/main">
+  <p:cSld>
+    <p:spTree>
+      <p:nvGrpSpPr>
+        <p:cNvPr id="1" name=""/>
+        <p:cNvGrpSpPr/>
+        <p:nvPr/>
+      </p:nvGrpSpPr>
+      <p:grpSpPr>
+        <a:xfrm>
+          <a:off x="0" y="0"/>
+          <a:ext cx="0" cy="0"/>
+          <a:chOff x="0" y="0"/>
+          <a:chExt cx="0" cy="0"/>
+        </a:xfrm>
+      </p:grpSpPr>
+      <p:sp>
+        <p:nvSpPr>
+          <p:cNvPr id="2" name="標題 1">
+            <a:extLst>
+              <a:ext uri="{FF2B5EF4-FFF2-40B4-BE49-F238E27FC236}">
                 <a16:creationId xmlns:a16="http://schemas.microsoft.com/office/drawing/2014/main" id="{8C85ED48-3069-E9E7-F772-B456F6416CD3}"/>
               </a:ext>
             </a:extLst>
@@ -4287,7 +4525,7 @@
 </p:sld>
 </file>
 
-<file path=ppt/slides/slide6.xml><?xml version="1.0" encoding="utf-8"?>
+<file path=ppt/slides/slide8.xml><?xml version="1.0" encoding="utf-8"?>
 <p:sld xmlns:a="http://schemas.openxmlformats.org/drawingml/2006/main" xmlns:r="http://schemas.openxmlformats.org/officeDocument/2006/relationships" xmlns:p="http://schemas.openxmlformats.org/presentationml/2006/main">
   <p:cSld>
     <p:spTree>
